--- a/presentations/2017 Stanford/RSAPoster.pptx
+++ b/presentations/2017 Stanford/RSAPoster.pptx
@@ -109,7 +109,7 @@
   </p:defaultTextStyle>
   <p:extLst>
     <p:ext uri="{EFAFB233-063F-42B5-8137-9DF3F51BA10A}">
-      <p15:sldGuideLst xmlns:p15="http://schemas.microsoft.com/office/powerpoint/2012/main" xmlns="">
+      <p15:sldGuideLst xmlns:p15="http://schemas.microsoft.com/office/powerpoint/2012/main">
         <p15:guide id="1" orient="horz" pos="10368" userDrawn="1">
           <p15:clr>
             <a:srgbClr val="A4A3A4"/>
@@ -123,7 +123,7 @@
       </p15:sldGuideLst>
     </p:ext>
     <p:ext uri="{2D200454-40CA-4A62-9FC3-DE9A4176ACB9}">
-      <p15:notesGuideLst xmlns:p15="http://schemas.microsoft.com/office/powerpoint/2012/main" xmlns=""/>
+      <p15:notesGuideLst xmlns:p15="http://schemas.microsoft.com/office/powerpoint/2012/main"/>
     </p:ext>
   </p:extLst>
 </p:presentation>
@@ -1014,13 +1014,6 @@
         </dgm:presLayoutVars>
       </dgm:prSet>
       <dgm:spPr/>
-      <dgm:t>
-        <a:bodyPr/>
-        <a:lstStyle/>
-        <a:p>
-          <a:endParaRPr lang="en-US"/>
-        </a:p>
-      </dgm:t>
     </dgm:pt>
     <dgm:pt modelId="{E4CCFA41-F774-A94E-A04B-50D8C7DE50ED}" type="pres">
       <dgm:prSet presAssocID="{1789D647-2489-4848-9A26-235FB3D1F445}" presName="Accent1" presStyleCnt="0"/>
@@ -1050,13 +1043,6 @@
         </dgm:presLayoutVars>
       </dgm:prSet>
       <dgm:spPr/>
-      <dgm:t>
-        <a:bodyPr/>
-        <a:lstStyle/>
-        <a:p>
-          <a:endParaRPr lang="en-US"/>
-        </a:p>
-      </dgm:t>
     </dgm:pt>
     <dgm:pt modelId="{0B5AB86D-1A4C-2540-A7C7-76622F06963F}" type="pres">
       <dgm:prSet presAssocID="{F8AEA3BC-9BCC-4946-B4B7-6FC44289BCCC}" presName="Accent2" presStyleCnt="0"/>
@@ -1079,13 +1065,6 @@
         </dgm:presLayoutVars>
       </dgm:prSet>
       <dgm:spPr/>
-      <dgm:t>
-        <a:bodyPr/>
-        <a:lstStyle/>
-        <a:p>
-          <a:endParaRPr lang="en-US"/>
-        </a:p>
-      </dgm:t>
     </dgm:pt>
     <dgm:pt modelId="{59311CE0-53E6-D244-963F-31A850CD4922}" type="pres">
       <dgm:prSet presAssocID="{B7669CF0-A41E-1444-851C-485CA7C02540}" presName="Accent3" presStyleCnt="0"/>
@@ -1108,23 +1087,16 @@
         </dgm:presLayoutVars>
       </dgm:prSet>
       <dgm:spPr/>
-      <dgm:t>
-        <a:bodyPr/>
-        <a:lstStyle/>
-        <a:p>
-          <a:endParaRPr lang="en-US"/>
-        </a:p>
-      </dgm:t>
     </dgm:pt>
   </dgm:ptLst>
   <dgm:cxnLst>
-    <dgm:cxn modelId="{51370CED-5017-0642-B044-D87BC8F37D3F}" type="presOf" srcId="{F8AEA3BC-9BCC-4946-B4B7-6FC44289BCCC}" destId="{D6B48E76-4AAC-CD48-8B71-6E8F654914BB}" srcOrd="0" destOrd="0" presId="urn:microsoft.com/office/officeart/2009/layout/CircleArrowProcess"/>
-    <dgm:cxn modelId="{73215FFA-C57A-C543-AA35-4CE9EEE844E7}" type="presOf" srcId="{1789D647-2489-4848-9A26-235FB3D1F445}" destId="{70886D2B-160E-C44F-B061-82C93659D59B}" srcOrd="0" destOrd="0" presId="urn:microsoft.com/office/officeart/2009/layout/CircleArrowProcess"/>
+    <dgm:cxn modelId="{92A58827-15F8-7E4B-AE37-21C40438A6ED}" srcId="{EC01D706-F017-FD44-88D8-6905872D61FE}" destId="{1789D647-2489-4848-9A26-235FB3D1F445}" srcOrd="0" destOrd="0" parTransId="{34DCF5B2-51D9-014D-AA80-13430F13CC75}" sibTransId="{72C663D2-9591-BA4D-A349-8D8BC9DDC2FC}"/>
     <dgm:cxn modelId="{D4B96F52-BD79-F446-AA12-8F796CD6BA96}" srcId="{EC01D706-F017-FD44-88D8-6905872D61FE}" destId="{F8AEA3BC-9BCC-4946-B4B7-6FC44289BCCC}" srcOrd="1" destOrd="0" parTransId="{03D13353-7593-D643-AF0E-CE20F814132B}" sibTransId="{DD10A488-A756-BA4C-B2EB-3B00C4B12F82}"/>
     <dgm:cxn modelId="{BBA421CB-39ED-9A42-9257-255536678001}" type="presOf" srcId="{B7669CF0-A41E-1444-851C-485CA7C02540}" destId="{7F6AADFB-2451-E54A-BF72-CB3083280E92}" srcOrd="0" destOrd="0" presId="urn:microsoft.com/office/officeart/2009/layout/CircleArrowProcess"/>
     <dgm:cxn modelId="{BB4796D1-AB16-B146-81B7-D19385836730}" srcId="{EC01D706-F017-FD44-88D8-6905872D61FE}" destId="{B7669CF0-A41E-1444-851C-485CA7C02540}" srcOrd="2" destOrd="0" parTransId="{FF660795-3A5A-6A49-A9E8-DFDE5D70F409}" sibTransId="{C0D21771-88C4-E442-B3B2-6B04B603237A}"/>
-    <dgm:cxn modelId="{92A58827-15F8-7E4B-AE37-21C40438A6ED}" srcId="{EC01D706-F017-FD44-88D8-6905872D61FE}" destId="{1789D647-2489-4848-9A26-235FB3D1F445}" srcOrd="0" destOrd="0" parTransId="{34DCF5B2-51D9-014D-AA80-13430F13CC75}" sibTransId="{72C663D2-9591-BA4D-A349-8D8BC9DDC2FC}"/>
+    <dgm:cxn modelId="{51370CED-5017-0642-B044-D87BC8F37D3F}" type="presOf" srcId="{F8AEA3BC-9BCC-4946-B4B7-6FC44289BCCC}" destId="{D6B48E76-4AAC-CD48-8B71-6E8F654914BB}" srcOrd="0" destOrd="0" presId="urn:microsoft.com/office/officeart/2009/layout/CircleArrowProcess"/>
     <dgm:cxn modelId="{D9DB7BEF-9CDD-0942-86BE-B8EB966D478C}" type="presOf" srcId="{EC01D706-F017-FD44-88D8-6905872D61FE}" destId="{3B8CBF02-C333-1D4B-9642-84564CD7F192}" srcOrd="0" destOrd="0" presId="urn:microsoft.com/office/officeart/2009/layout/CircleArrowProcess"/>
+    <dgm:cxn modelId="{73215FFA-C57A-C543-AA35-4CE9EEE844E7}" type="presOf" srcId="{1789D647-2489-4848-9A26-235FB3D1F445}" destId="{70886D2B-160E-C44F-B061-82C93659D59B}" srcOrd="0" destOrd="0" presId="urn:microsoft.com/office/officeart/2009/layout/CircleArrowProcess"/>
     <dgm:cxn modelId="{112353DD-162D-BF4F-9E69-FA161EE81244}" type="presParOf" srcId="{3B8CBF02-C333-1D4B-9642-84564CD7F192}" destId="{E4CCFA41-F774-A94E-A04B-50D8C7DE50ED}" srcOrd="0" destOrd="0" presId="urn:microsoft.com/office/officeart/2009/layout/CircleArrowProcess"/>
     <dgm:cxn modelId="{7D13368E-9BA7-4D4B-A5D2-070F9719ED54}" type="presParOf" srcId="{E4CCFA41-F774-A94E-A04B-50D8C7DE50ED}" destId="{794855B9-E1C7-EA44-A3C5-969D1C853DE2}" srcOrd="0" destOrd="0" presId="urn:microsoft.com/office/officeart/2009/layout/CircleArrowProcess"/>
     <dgm:cxn modelId="{7FFC9FF4-3945-E94C-B48D-DD6ACCCBD674}" type="presParOf" srcId="{3B8CBF02-C333-1D4B-9642-84564CD7F192}" destId="{70886D2B-160E-C44F-B061-82C93659D59B}" srcOrd="1" destOrd="0" presId="urn:microsoft.com/office/officeart/2009/layout/CircleArrowProcess"/>
@@ -1240,7 +1212,7 @@
         </a:bodyPr>
         <a:lstStyle/>
         <a:p>
-          <a:pPr lvl="0" algn="ctr" defTabSz="977900">
+          <a:pPr marL="0" lvl="0" indent="0" algn="ctr" defTabSz="977900">
             <a:lnSpc>
               <a:spcPct val="90000"/>
             </a:lnSpc>
@@ -1250,6 +1222,7 @@
             <a:spcAft>
               <a:spcPct val="35000"/>
             </a:spcAft>
+            <a:buNone/>
           </a:pPr>
           <a:r>
             <a:rPr lang="en-US" sz="2200" kern="1200" dirty="0"/>
@@ -1257,7 +1230,7 @@
           </a:r>
         </a:p>
         <a:p>
-          <a:pPr lvl="0" algn="ctr" defTabSz="977900">
+          <a:pPr marL="0" lvl="0" indent="0" algn="ctr" defTabSz="977900">
             <a:lnSpc>
               <a:spcPct val="90000"/>
             </a:lnSpc>
@@ -1267,6 +1240,7 @@
             <a:spcAft>
               <a:spcPct val="35000"/>
             </a:spcAft>
+            <a:buNone/>
           </a:pPr>
           <a:r>
             <a:rPr lang="en-US" sz="2200" kern="1200" dirty="0"/>
@@ -1358,7 +1332,7 @@
         </a:bodyPr>
         <a:lstStyle/>
         <a:p>
-          <a:pPr lvl="0" algn="ctr" defTabSz="977900">
+          <a:pPr marL="0" lvl="0" indent="0" algn="ctr" defTabSz="977900">
             <a:lnSpc>
               <a:spcPct val="90000"/>
             </a:lnSpc>
@@ -1368,6 +1342,7 @@
             <a:spcAft>
               <a:spcPct val="35000"/>
             </a:spcAft>
+            <a:buNone/>
           </a:pPr>
           <a:r>
             <a:rPr lang="en-US" sz="2200" kern="1200" dirty="0"/>
@@ -1457,7 +1432,7 @@
         </a:bodyPr>
         <a:lstStyle/>
         <a:p>
-          <a:pPr lvl="0" algn="ctr" defTabSz="977900">
+          <a:pPr marL="0" lvl="0" indent="0" algn="ctr" defTabSz="977900">
             <a:lnSpc>
               <a:spcPct val="90000"/>
             </a:lnSpc>
@@ -1467,6 +1442,7 @@
             <a:spcAft>
               <a:spcPct val="35000"/>
             </a:spcAft>
+            <a:buNone/>
           </a:pPr>
           <a:r>
             <a:rPr lang="en-US" sz="2200" kern="1200" dirty="0"/>
@@ -4702,7 +4678,7 @@
           <a:p>
             <a:fld id="{69CE500B-FF5B-4B28-95C2-E41CE5CE306B}" type="datetimeFigureOut">
               <a:rPr lang="en-US" smtClean="0"/>
-              <a:t>2/12/17</a:t>
+              <a:t>3/16/2017</a:t>
             </a:fld>
             <a:endParaRPr lang="en-US"/>
           </a:p>
@@ -5195,7 +5171,7 @@
           <a:p>
             <a:fld id="{DE94126C-84A0-4B2B-A8D1-685EF76357B6}" type="datetimeFigureOut">
               <a:rPr lang="en-US" smtClean="0"/>
-              <a:t>2/12/17</a:t>
+              <a:t>3/16/2017</a:t>
             </a:fld>
             <a:endParaRPr lang="en-US"/>
           </a:p>
@@ -5365,7 +5341,7 @@
           <a:p>
             <a:fld id="{DE94126C-84A0-4B2B-A8D1-685EF76357B6}" type="datetimeFigureOut">
               <a:rPr lang="en-US" smtClean="0"/>
-              <a:t>2/12/17</a:t>
+              <a:t>3/16/2017</a:t>
             </a:fld>
             <a:endParaRPr lang="en-US"/>
           </a:p>
@@ -5545,7 +5521,7 @@
           <a:p>
             <a:fld id="{DE94126C-84A0-4B2B-A8D1-685EF76357B6}" type="datetimeFigureOut">
               <a:rPr lang="en-US" smtClean="0"/>
-              <a:t>2/12/17</a:t>
+              <a:t>3/16/2017</a:t>
             </a:fld>
             <a:endParaRPr lang="en-US"/>
           </a:p>
@@ -5715,7 +5691,7 @@
           <a:p>
             <a:fld id="{DE94126C-84A0-4B2B-A8D1-685EF76357B6}" type="datetimeFigureOut">
               <a:rPr lang="en-US" smtClean="0"/>
-              <a:t>2/12/17</a:t>
+              <a:t>3/16/2017</a:t>
             </a:fld>
             <a:endParaRPr lang="en-US"/>
           </a:p>
@@ -5959,7 +5935,7 @@
           <a:p>
             <a:fld id="{DE94126C-84A0-4B2B-A8D1-685EF76357B6}" type="datetimeFigureOut">
               <a:rPr lang="en-US" smtClean="0"/>
-              <a:t>2/12/17</a:t>
+              <a:t>3/16/2017</a:t>
             </a:fld>
             <a:endParaRPr lang="en-US"/>
           </a:p>
@@ -6191,7 +6167,7 @@
           <a:p>
             <a:fld id="{DE94126C-84A0-4B2B-A8D1-685EF76357B6}" type="datetimeFigureOut">
               <a:rPr lang="en-US" smtClean="0"/>
-              <a:t>2/12/17</a:t>
+              <a:t>3/16/2017</a:t>
             </a:fld>
             <a:endParaRPr lang="en-US"/>
           </a:p>
@@ -6558,7 +6534,7 @@
           <a:p>
             <a:fld id="{DE94126C-84A0-4B2B-A8D1-685EF76357B6}" type="datetimeFigureOut">
               <a:rPr lang="en-US" smtClean="0"/>
-              <a:t>2/12/17</a:t>
+              <a:t>3/16/2017</a:t>
             </a:fld>
             <a:endParaRPr lang="en-US"/>
           </a:p>
@@ -6676,7 +6652,7 @@
           <a:p>
             <a:fld id="{DE94126C-84A0-4B2B-A8D1-685EF76357B6}" type="datetimeFigureOut">
               <a:rPr lang="en-US" smtClean="0"/>
-              <a:t>2/12/17</a:t>
+              <a:t>3/16/2017</a:t>
             </a:fld>
             <a:endParaRPr lang="en-US"/>
           </a:p>
@@ -6771,7 +6747,7 @@
           <a:p>
             <a:fld id="{DE94126C-84A0-4B2B-A8D1-685EF76357B6}" type="datetimeFigureOut">
               <a:rPr lang="en-US" smtClean="0"/>
-              <a:t>2/12/17</a:t>
+              <a:t>3/16/2017</a:t>
             </a:fld>
             <a:endParaRPr lang="en-US"/>
           </a:p>
@@ -7048,7 +7024,7 @@
           <a:p>
             <a:fld id="{DE94126C-84A0-4B2B-A8D1-685EF76357B6}" type="datetimeFigureOut">
               <a:rPr lang="en-US" smtClean="0"/>
-              <a:t>2/12/17</a:t>
+              <a:t>3/16/2017</a:t>
             </a:fld>
             <a:endParaRPr lang="en-US"/>
           </a:p>
@@ -7305,7 +7281,7 @@
           <a:p>
             <a:fld id="{DE94126C-84A0-4B2B-A8D1-685EF76357B6}" type="datetimeFigureOut">
               <a:rPr lang="en-US" smtClean="0"/>
-              <a:t>2/12/17</a:t>
+              <a:t>3/16/2017</a:t>
             </a:fld>
             <a:endParaRPr lang="en-US"/>
           </a:p>
@@ -7518,7 +7494,7 @@
           <a:p>
             <a:fld id="{DE94126C-84A0-4B2B-A8D1-685EF76357B6}" type="datetimeFigureOut">
               <a:rPr lang="en-US" smtClean="0"/>
-              <a:t>2/12/17</a:t>
+              <a:t>3/16/2017</a:t>
             </a:fld>
             <a:endParaRPr lang="en-US"/>
           </a:p>
@@ -9046,8 +9022,8 @@
         </p:nvSpPr>
         <p:spPr>
           <a:xfrm>
-            <a:off x="29359604" y="30527180"/>
-            <a:ext cx="14358560" cy="2031325"/>
+            <a:off x="29367310" y="30740747"/>
+            <a:ext cx="14358560" cy="1815882"/>
           </a:xfrm>
           <a:prstGeom prst="rect">
             <a:avLst/>
@@ -9093,28 +9069,13 @@
               </a:rPr>
               <a:t> &amp; C. Fox (Eds.), The handbook of contemporary semantic theory, 2nd edition. Wiley-Blackwell. Goodman, N. D., &amp; Stuhlmüller, A. (2013). Knowledge and implicature: Modeling language understanding as social cognition. Topics in cognitive science, 5(1), 173–184. Gualmini, A. (2004). Some knowledge children don’t lack. Linguistics, 957–982. Gualmini, A., Hulsey, S., Hacquard, V., &amp; Fox, D. (2008). The question–answer requirement for scope assignment. Natural language semantics, 16(3), 205–237. Musolino, J. (2006). On the semantics of the subset principle. Language Learning and Development, 2(3), 195–218. Tessler, M. H., &amp; Goodman, N. D. (2016). A pragmatic theory of generic language. (http://arxiv.org/abs/1608.02926) Viau, J., Lidz, J., &amp; Musolino, J. (2010). Priming of abstract logical representations in 4-year-olds. Language Acquisition, 17(1-2), 26–50.</a:t>
             </a:r>
-            <a:endParaRPr lang="en-US" sz="500" b="1" dirty="0">
-              <a:latin typeface="Helvetica" panose="020B0604020202020204" pitchFamily="34" charset="0"/>
-              <a:ea typeface="Helvetica" charset="0"/>
-              <a:cs typeface="Helvetica" panose="020B0604020202020204" pitchFamily="34" charset="0"/>
-            </a:endParaRPr>
-          </a:p>
-          <a:p>
-            <a:r>
-              <a:rPr lang="en-US" sz="1400" b="1" dirty="0">
-                <a:latin typeface="Helvetica" panose="020B0604020202020204" pitchFamily="34" charset="0"/>
-                <a:ea typeface="Helvetica" charset="0"/>
-                <a:cs typeface="Helvetica" panose="020B0604020202020204" pitchFamily="34" charset="0"/>
-              </a:rPr>
-              <a:t>Acknowledgements</a:t>
-            </a:r>
             <a:r>
               <a:rPr lang="en-US" sz="1400" dirty="0">
                 <a:latin typeface="Helvetica" panose="020B0604020202020204" pitchFamily="34" charset="0"/>
                 <a:ea typeface="Helvetica" charset="0"/>
                 <a:cs typeface="Helvetica" panose="020B0604020202020204" pitchFamily="34" charset="0"/>
               </a:rPr>
-              <a:t>:  </a:t>
+              <a:t>  </a:t>
             </a:r>
             <a:endParaRPr lang="en-US" sz="1400" b="1" dirty="0">
               <a:latin typeface="Helvetica" panose="020B0604020202020204" pitchFamily="34" charset="0"/>
@@ -10191,31 +10152,8 @@
                 <a:ea typeface="Helvetica" charset="0"/>
                 <a:cs typeface="Helvetica" charset="0"/>
               </a:rPr>
-              <a:t>Our </a:t>
-            </a:r>
-            <a:r>
-              <a:rPr lang="en-US" sz="4200" b="1" dirty="0" smtClean="0">
-                <a:solidFill>
-                  <a:schemeClr val="accent1">
-                    <a:lumMod val="50000"/>
-                  </a:schemeClr>
-                </a:solidFill>
-                <a:latin typeface="Helvetica" charset="0"/>
-                <a:ea typeface="Helvetica" charset="0"/>
-                <a:cs typeface="Helvetica" charset="0"/>
-              </a:rPr>
-              <a:t>contribution</a:t>
-            </a:r>
-            <a:endParaRPr lang="en-US" sz="4200" b="1" dirty="0">
-              <a:solidFill>
-                <a:schemeClr val="accent1">
-                  <a:lumMod val="50000"/>
-                </a:schemeClr>
-              </a:solidFill>
-              <a:latin typeface="Helvetica" charset="0"/>
-              <a:ea typeface="Helvetica" charset="0"/>
-              <a:cs typeface="Helvetica" charset="0"/>
-            </a:endParaRPr>
+              <a:t>Our contribution</a:t>
+            </a:r>
           </a:p>
         </p:txBody>
       </p:sp>
@@ -11351,7 +11289,7 @@
         </p:blipFill>
         <p:spPr>
           <a:xfrm>
-            <a:off x="36370727" y="542689"/>
+            <a:off x="36207781" y="381967"/>
             <a:ext cx="3929260" cy="3911796"/>
           </a:xfrm>
           <a:prstGeom prst="rect">
@@ -11455,7 +11393,31 @@
                 <a:ea typeface="Helvetica" charset="0"/>
                 <a:cs typeface="Helvetica" charset="0"/>
               </a:rPr>
-              <a:t> chooses to utter (1) (“</a:t>
+              <a:t> chooses to utter </a:t>
+            </a:r>
+            <a:r>
+              <a:rPr lang="en-US" sz="3200">
+                <a:latin typeface="Courier" charset="0"/>
+                <a:ea typeface="Courier" charset="0"/>
+                <a:cs typeface="Courier" charset="0"/>
+              </a:rPr>
+              <a:t>amb</a:t>
+            </a:r>
+            <a:r>
+              <a:rPr lang="en-US" sz="3200">
+                <a:latin typeface="Helvetica" charset="0"/>
+                <a:ea typeface="Helvetica" charset="0"/>
+                <a:cs typeface="Helvetica" charset="0"/>
+              </a:rPr>
+              <a:t> </a:t>
+            </a:r>
+            <a:r>
+              <a:rPr lang="en-US" sz="3200" dirty="0">
+                <a:latin typeface="Helvetica" charset="0"/>
+                <a:ea typeface="Helvetica" charset="0"/>
+                <a:cs typeface="Helvetica" charset="0"/>
+              </a:rPr>
+              <a:t>(“</a:t>
             </a:r>
             <a:r>
               <a:rPr lang="en-US" sz="3200" dirty="0">
@@ -12038,7 +12000,7 @@
                 <a:ea typeface="Courier" charset="0"/>
                 <a:cs typeface="Courier" charset="0"/>
               </a:rPr>
-              <a:t>surfance,inverse</a:t>
+              <a:t>surface,inverse</a:t>
             </a:r>
             <a:r>
               <a:rPr lang="en-US" sz="3200" dirty="0">
@@ -12189,7 +12151,7 @@
         </p:nvSpPr>
         <p:spPr>
           <a:xfrm>
-            <a:off x="15170017" y="27945779"/>
+            <a:off x="15238596" y="28007402"/>
             <a:ext cx="13511739" cy="2157253"/>
           </a:xfrm>
           <a:prstGeom prst="rect">
@@ -12593,7 +12555,7 @@
   <a:extraClrSchemeLst/>
   <a:extLst>
     <a:ext uri="{05A4C25C-085E-4340-85A3-A5531E510DB2}">
-      <thm15:themeFamily xmlns:thm15="http://schemas.microsoft.com/office/thememl/2012/main" xmlns="" name="Office Theme" id="{62F939B6-93AF-4DB8-9C6B-D6C7DFDC589F}" vid="{4A3C46E8-61CC-4603-A589-7422A47A8E4A}"/>
+      <thm15:themeFamily xmlns:thm15="http://schemas.microsoft.com/office/thememl/2012/main" name="Office Theme" id="{62F939B6-93AF-4DB8-9C6B-D6C7DFDC589F}" vid="{4A3C46E8-61CC-4603-A589-7422A47A8E4A}"/>
     </a:ext>
   </a:extLst>
 </a:theme>
@@ -12888,7 +12850,7 @@
   <a:extraClrSchemeLst/>
   <a:extLst>
     <a:ext uri="{05A4C25C-085E-4340-85A3-A5531E510DB2}">
-      <thm15:themeFamily xmlns:thm15="http://schemas.microsoft.com/office/thememl/2012/main" xmlns="" name="Office Theme" id="{62F939B6-93AF-4DB8-9C6B-D6C7DFDC589F}" vid="{4A3C46E8-61CC-4603-A589-7422A47A8E4A}"/>
+      <thm15:themeFamily xmlns:thm15="http://schemas.microsoft.com/office/thememl/2012/main" name="Office Theme" id="{62F939B6-93AF-4DB8-9C6B-D6C7DFDC589F}" vid="{4A3C46E8-61CC-4603-A589-7422A47A8E4A}"/>
     </a:ext>
   </a:extLst>
 </a:theme>
